--- a/ppt 16-9/0843.无花果树歌.pptx
+++ b/ppt 16-9/0843.无花果树歌.pptx
@@ -5,7 +5,7 @@
     <p:sldMasterId id="2147483648" r:id="rId1"/>
   </p:sldMasterIdLst>
   <p:sldIdLst>
-    <p:sldId id="2136" r:id="rId2"/>
+    <p:sldId id="2138" r:id="rId2"/>
   </p:sldIdLst>
   <p:sldSz cx="12192000" cy="6858000"/>
   <p:notesSz cx="6858000" cy="9144000"/>
@@ -129,7 +129,7 @@
           <p:cNvPr id="2" name="标题 1">
             <a:extLst>
               <a:ext uri="{FF2B5EF4-FFF2-40B4-BE49-F238E27FC236}">
-                <a16:creationId xmlns:a16="http://schemas.microsoft.com/office/drawing/2014/main" id="{80780BFD-5804-CA79-3A92-FE848F105DD2}"/>
+                <a16:creationId xmlns:a16="http://schemas.microsoft.com/office/drawing/2014/main" id="{31597711-E81B-A94B-E667-9C6C0DEF0DD0}"/>
               </a:ext>
             </a:extLst>
           </p:cNvPr>
@@ -166,7 +166,7 @@
           <p:cNvPr id="3" name="副标题 2">
             <a:extLst>
               <a:ext uri="{FF2B5EF4-FFF2-40B4-BE49-F238E27FC236}">
-                <a16:creationId xmlns:a16="http://schemas.microsoft.com/office/drawing/2014/main" id="{B71FFA38-91A1-A37B-C405-16FCA26D9896}"/>
+                <a16:creationId xmlns:a16="http://schemas.microsoft.com/office/drawing/2014/main" id="{3367FC10-302E-CADE-0AC2-4895825AC899}"/>
               </a:ext>
             </a:extLst>
           </p:cNvPr>
@@ -236,7 +236,7 @@
           <p:cNvPr id="4" name="日期占位符 3">
             <a:extLst>
               <a:ext uri="{FF2B5EF4-FFF2-40B4-BE49-F238E27FC236}">
-                <a16:creationId xmlns:a16="http://schemas.microsoft.com/office/drawing/2014/main" id="{6753FA41-BE9E-D559-6E14-39569705A118}"/>
+                <a16:creationId xmlns:a16="http://schemas.microsoft.com/office/drawing/2014/main" id="{1BC4AD29-FB89-F673-67CD-BD977F715160}"/>
               </a:ext>
             </a:extLst>
           </p:cNvPr>
@@ -252,7 +252,7 @@
           <a:bodyPr/>
           <a:lstStyle/>
           <a:p>
-            <a:fld id="{3ADA9874-1028-4803-BAE5-C6E42B30F3E5}" type="datetimeFigureOut">
+            <a:fld id="{19ED345A-03FF-420A-8996-3282A40D29CD}" type="datetimeFigureOut">
               <a:rPr lang="zh-CN" altLang="en-US" smtClean="0"/>
               <a:t>2024/3/10</a:t>
             </a:fld>
@@ -265,7 +265,7 @@
           <p:cNvPr id="5" name="页脚占位符 4">
             <a:extLst>
               <a:ext uri="{FF2B5EF4-FFF2-40B4-BE49-F238E27FC236}">
-                <a16:creationId xmlns:a16="http://schemas.microsoft.com/office/drawing/2014/main" id="{32928C18-C475-B978-FD52-D188AF17F5E1}"/>
+                <a16:creationId xmlns:a16="http://schemas.microsoft.com/office/drawing/2014/main" id="{C37B7C2E-261F-BB07-D127-2099D39F3309}"/>
               </a:ext>
             </a:extLst>
           </p:cNvPr>
@@ -290,7 +290,7 @@
           <p:cNvPr id="6" name="灯片编号占位符 5">
             <a:extLst>
               <a:ext uri="{FF2B5EF4-FFF2-40B4-BE49-F238E27FC236}">
-                <a16:creationId xmlns:a16="http://schemas.microsoft.com/office/drawing/2014/main" id="{95A116DB-193C-91FA-F9DE-7FE861D0C23C}"/>
+                <a16:creationId xmlns:a16="http://schemas.microsoft.com/office/drawing/2014/main" id="{18DCD242-F066-48B1-45D1-CB1709FC3E11}"/>
               </a:ext>
             </a:extLst>
           </p:cNvPr>
@@ -306,7 +306,7 @@
           <a:bodyPr/>
           <a:lstStyle/>
           <a:p>
-            <a:fld id="{1DA426DB-B5CA-4C32-B7D9-E3B2D36C74C4}" type="slidenum">
+            <a:fld id="{2B5C444B-4985-433E-88F0-24EA6669CCF9}" type="slidenum">
               <a:rPr lang="zh-CN" altLang="en-US" smtClean="0"/>
               <a:t>‹#›</a:t>
             </a:fld>
@@ -317,7 +317,7 @@
     </p:spTree>
     <p:extLst>
       <p:ext uri="{BB962C8B-B14F-4D97-AF65-F5344CB8AC3E}">
-        <p14:creationId xmlns:p14="http://schemas.microsoft.com/office/powerpoint/2010/main" val="601200923"/>
+        <p14:creationId xmlns:p14="http://schemas.microsoft.com/office/powerpoint/2010/main" val="2526264405"/>
       </p:ext>
     </p:extLst>
   </p:cSld>
@@ -349,7 +349,7 @@
           <p:cNvPr id="2" name="标题 1">
             <a:extLst>
               <a:ext uri="{FF2B5EF4-FFF2-40B4-BE49-F238E27FC236}">
-                <a16:creationId xmlns:a16="http://schemas.microsoft.com/office/drawing/2014/main" id="{0C6C1EA7-0055-3392-101F-D2E8CC2B3BE6}"/>
+                <a16:creationId xmlns:a16="http://schemas.microsoft.com/office/drawing/2014/main" id="{9D882606-6109-35E7-BF39-2A952C3DE3C7}"/>
               </a:ext>
             </a:extLst>
           </p:cNvPr>
@@ -377,7 +377,7 @@
           <p:cNvPr id="3" name="竖排文字占位符 2">
             <a:extLst>
               <a:ext uri="{FF2B5EF4-FFF2-40B4-BE49-F238E27FC236}">
-                <a16:creationId xmlns:a16="http://schemas.microsoft.com/office/drawing/2014/main" id="{4A17004E-9C33-1E43-80D5-297B458C45D1}"/>
+                <a16:creationId xmlns:a16="http://schemas.microsoft.com/office/drawing/2014/main" id="{335FE094-95EF-7A39-6A2F-182C547A01F2}"/>
               </a:ext>
             </a:extLst>
           </p:cNvPr>
@@ -434,7 +434,7 @@
           <p:cNvPr id="4" name="日期占位符 3">
             <a:extLst>
               <a:ext uri="{FF2B5EF4-FFF2-40B4-BE49-F238E27FC236}">
-                <a16:creationId xmlns:a16="http://schemas.microsoft.com/office/drawing/2014/main" id="{76B3F9F7-A7D4-E537-8B71-B10571DF48BA}"/>
+                <a16:creationId xmlns:a16="http://schemas.microsoft.com/office/drawing/2014/main" id="{838A2F2A-8AFD-D019-5593-CA51C45C12BF}"/>
               </a:ext>
             </a:extLst>
           </p:cNvPr>
@@ -450,7 +450,7 @@
           <a:bodyPr/>
           <a:lstStyle/>
           <a:p>
-            <a:fld id="{3ADA9874-1028-4803-BAE5-C6E42B30F3E5}" type="datetimeFigureOut">
+            <a:fld id="{19ED345A-03FF-420A-8996-3282A40D29CD}" type="datetimeFigureOut">
               <a:rPr lang="zh-CN" altLang="en-US" smtClean="0"/>
               <a:t>2024/3/10</a:t>
             </a:fld>
@@ -463,7 +463,7 @@
           <p:cNvPr id="5" name="页脚占位符 4">
             <a:extLst>
               <a:ext uri="{FF2B5EF4-FFF2-40B4-BE49-F238E27FC236}">
-                <a16:creationId xmlns:a16="http://schemas.microsoft.com/office/drawing/2014/main" id="{7492731C-B537-E368-39C0-0DEFAFF9EDE7}"/>
+                <a16:creationId xmlns:a16="http://schemas.microsoft.com/office/drawing/2014/main" id="{C04EB161-A658-1481-1C8F-5ACD465BED2F}"/>
               </a:ext>
             </a:extLst>
           </p:cNvPr>
@@ -488,7 +488,7 @@
           <p:cNvPr id="6" name="灯片编号占位符 5">
             <a:extLst>
               <a:ext uri="{FF2B5EF4-FFF2-40B4-BE49-F238E27FC236}">
-                <a16:creationId xmlns:a16="http://schemas.microsoft.com/office/drawing/2014/main" id="{9CEBD68A-487E-C851-931A-CFFDF8837545}"/>
+                <a16:creationId xmlns:a16="http://schemas.microsoft.com/office/drawing/2014/main" id="{6A6EB2E2-C368-9A81-9D79-4428ABBCE2EF}"/>
               </a:ext>
             </a:extLst>
           </p:cNvPr>
@@ -504,7 +504,7 @@
           <a:bodyPr/>
           <a:lstStyle/>
           <a:p>
-            <a:fld id="{1DA426DB-B5CA-4C32-B7D9-E3B2D36C74C4}" type="slidenum">
+            <a:fld id="{2B5C444B-4985-433E-88F0-24EA6669CCF9}" type="slidenum">
               <a:rPr lang="zh-CN" altLang="en-US" smtClean="0"/>
               <a:t>‹#›</a:t>
             </a:fld>
@@ -515,7 +515,7 @@
     </p:spTree>
     <p:extLst>
       <p:ext uri="{BB962C8B-B14F-4D97-AF65-F5344CB8AC3E}">
-        <p14:creationId xmlns:p14="http://schemas.microsoft.com/office/powerpoint/2010/main" val="1307188865"/>
+        <p14:creationId xmlns:p14="http://schemas.microsoft.com/office/powerpoint/2010/main" val="310321964"/>
       </p:ext>
     </p:extLst>
   </p:cSld>
@@ -547,7 +547,7 @@
           <p:cNvPr id="2" name="竖排标题 1">
             <a:extLst>
               <a:ext uri="{FF2B5EF4-FFF2-40B4-BE49-F238E27FC236}">
-                <a16:creationId xmlns:a16="http://schemas.microsoft.com/office/drawing/2014/main" id="{4436BBD7-DBFF-1440-2AF5-CF16140E3FFB}"/>
+                <a16:creationId xmlns:a16="http://schemas.microsoft.com/office/drawing/2014/main" id="{684D6353-AE84-B597-18D8-C8696C0844CB}"/>
               </a:ext>
             </a:extLst>
           </p:cNvPr>
@@ -580,7 +580,7 @@
           <p:cNvPr id="3" name="竖排文字占位符 2">
             <a:extLst>
               <a:ext uri="{FF2B5EF4-FFF2-40B4-BE49-F238E27FC236}">
-                <a16:creationId xmlns:a16="http://schemas.microsoft.com/office/drawing/2014/main" id="{068A43A2-908A-AB96-322F-1A93D87FAB78}"/>
+                <a16:creationId xmlns:a16="http://schemas.microsoft.com/office/drawing/2014/main" id="{E628912F-DA66-D66F-B0AC-17FCAC9E4DF0}"/>
               </a:ext>
             </a:extLst>
           </p:cNvPr>
@@ -642,7 +642,7 @@
           <p:cNvPr id="4" name="日期占位符 3">
             <a:extLst>
               <a:ext uri="{FF2B5EF4-FFF2-40B4-BE49-F238E27FC236}">
-                <a16:creationId xmlns:a16="http://schemas.microsoft.com/office/drawing/2014/main" id="{B7578C30-E50F-C2C5-FB47-F50A4BD2716A}"/>
+                <a16:creationId xmlns:a16="http://schemas.microsoft.com/office/drawing/2014/main" id="{E932969A-292E-8D57-88CC-85E0E8790BAD}"/>
               </a:ext>
             </a:extLst>
           </p:cNvPr>
@@ -658,7 +658,7 @@
           <a:bodyPr/>
           <a:lstStyle/>
           <a:p>
-            <a:fld id="{3ADA9874-1028-4803-BAE5-C6E42B30F3E5}" type="datetimeFigureOut">
+            <a:fld id="{19ED345A-03FF-420A-8996-3282A40D29CD}" type="datetimeFigureOut">
               <a:rPr lang="zh-CN" altLang="en-US" smtClean="0"/>
               <a:t>2024/3/10</a:t>
             </a:fld>
@@ -671,7 +671,7 @@
           <p:cNvPr id="5" name="页脚占位符 4">
             <a:extLst>
               <a:ext uri="{FF2B5EF4-FFF2-40B4-BE49-F238E27FC236}">
-                <a16:creationId xmlns:a16="http://schemas.microsoft.com/office/drawing/2014/main" id="{C5C444E3-1A32-0A9E-97F1-D3E3FEEDD000}"/>
+                <a16:creationId xmlns:a16="http://schemas.microsoft.com/office/drawing/2014/main" id="{87330337-5572-8BCB-64C2-36CC5A19D747}"/>
               </a:ext>
             </a:extLst>
           </p:cNvPr>
@@ -696,7 +696,7 @@
           <p:cNvPr id="6" name="灯片编号占位符 5">
             <a:extLst>
               <a:ext uri="{FF2B5EF4-FFF2-40B4-BE49-F238E27FC236}">
-                <a16:creationId xmlns:a16="http://schemas.microsoft.com/office/drawing/2014/main" id="{25FB44C8-3F87-F85B-022D-B731AEF9C718}"/>
+                <a16:creationId xmlns:a16="http://schemas.microsoft.com/office/drawing/2014/main" id="{4D19BB80-1B5A-CBE9-33C4-08DCBA7D8637}"/>
               </a:ext>
             </a:extLst>
           </p:cNvPr>
@@ -712,7 +712,7 @@
           <a:bodyPr/>
           <a:lstStyle/>
           <a:p>
-            <a:fld id="{1DA426DB-B5CA-4C32-B7D9-E3B2D36C74C4}" type="slidenum">
+            <a:fld id="{2B5C444B-4985-433E-88F0-24EA6669CCF9}" type="slidenum">
               <a:rPr lang="zh-CN" altLang="en-US" smtClean="0"/>
               <a:t>‹#›</a:t>
             </a:fld>
@@ -723,7 +723,7 @@
     </p:spTree>
     <p:extLst>
       <p:ext uri="{BB962C8B-B14F-4D97-AF65-F5344CB8AC3E}">
-        <p14:creationId xmlns:p14="http://schemas.microsoft.com/office/powerpoint/2010/main" val="2070994434"/>
+        <p14:creationId xmlns:p14="http://schemas.microsoft.com/office/powerpoint/2010/main" val="1817239771"/>
       </p:ext>
     </p:extLst>
   </p:cSld>
@@ -755,7 +755,7 @@
           <p:cNvPr id="2" name="标题 1">
             <a:extLst>
               <a:ext uri="{FF2B5EF4-FFF2-40B4-BE49-F238E27FC236}">
-                <a16:creationId xmlns:a16="http://schemas.microsoft.com/office/drawing/2014/main" id="{3EDE1294-F299-B7AB-D598-DC9AA66C9A1B}"/>
+                <a16:creationId xmlns:a16="http://schemas.microsoft.com/office/drawing/2014/main" id="{AD060176-9FB5-8A1B-560B-F349762B5288}"/>
               </a:ext>
             </a:extLst>
           </p:cNvPr>
@@ -783,7 +783,7 @@
           <p:cNvPr id="3" name="内容占位符 2">
             <a:extLst>
               <a:ext uri="{FF2B5EF4-FFF2-40B4-BE49-F238E27FC236}">
-                <a16:creationId xmlns:a16="http://schemas.microsoft.com/office/drawing/2014/main" id="{F66BB532-0699-60A9-6033-64791C28CED7}"/>
+                <a16:creationId xmlns:a16="http://schemas.microsoft.com/office/drawing/2014/main" id="{9FAD684F-5DA8-8F52-8A9E-BECA6E410DA5}"/>
               </a:ext>
             </a:extLst>
           </p:cNvPr>
@@ -840,7 +840,7 @@
           <p:cNvPr id="4" name="日期占位符 3">
             <a:extLst>
               <a:ext uri="{FF2B5EF4-FFF2-40B4-BE49-F238E27FC236}">
-                <a16:creationId xmlns:a16="http://schemas.microsoft.com/office/drawing/2014/main" id="{E866833E-8062-F634-891B-DB596598ADDB}"/>
+                <a16:creationId xmlns:a16="http://schemas.microsoft.com/office/drawing/2014/main" id="{7B8779D2-5562-A55E-758D-5A4570C535F7}"/>
               </a:ext>
             </a:extLst>
           </p:cNvPr>
@@ -856,7 +856,7 @@
           <a:bodyPr/>
           <a:lstStyle/>
           <a:p>
-            <a:fld id="{3ADA9874-1028-4803-BAE5-C6E42B30F3E5}" type="datetimeFigureOut">
+            <a:fld id="{19ED345A-03FF-420A-8996-3282A40D29CD}" type="datetimeFigureOut">
               <a:rPr lang="zh-CN" altLang="en-US" smtClean="0"/>
               <a:t>2024/3/10</a:t>
             </a:fld>
@@ -869,7 +869,7 @@
           <p:cNvPr id="5" name="页脚占位符 4">
             <a:extLst>
               <a:ext uri="{FF2B5EF4-FFF2-40B4-BE49-F238E27FC236}">
-                <a16:creationId xmlns:a16="http://schemas.microsoft.com/office/drawing/2014/main" id="{2200E83D-F78C-4C72-02A2-AFD0B55A03B5}"/>
+                <a16:creationId xmlns:a16="http://schemas.microsoft.com/office/drawing/2014/main" id="{1BF719CE-6C39-105F-528C-5108BEB38F6F}"/>
               </a:ext>
             </a:extLst>
           </p:cNvPr>
@@ -894,7 +894,7 @@
           <p:cNvPr id="6" name="灯片编号占位符 5">
             <a:extLst>
               <a:ext uri="{FF2B5EF4-FFF2-40B4-BE49-F238E27FC236}">
-                <a16:creationId xmlns:a16="http://schemas.microsoft.com/office/drawing/2014/main" id="{FB813347-C3BE-6D21-D3A0-04B0DDA438D2}"/>
+                <a16:creationId xmlns:a16="http://schemas.microsoft.com/office/drawing/2014/main" id="{C9E1D0F0-6D10-55D8-6473-E2022383DBD1}"/>
               </a:ext>
             </a:extLst>
           </p:cNvPr>
@@ -910,7 +910,7 @@
           <a:bodyPr/>
           <a:lstStyle/>
           <a:p>
-            <a:fld id="{1DA426DB-B5CA-4C32-B7D9-E3B2D36C74C4}" type="slidenum">
+            <a:fld id="{2B5C444B-4985-433E-88F0-24EA6669CCF9}" type="slidenum">
               <a:rPr lang="zh-CN" altLang="en-US" smtClean="0"/>
               <a:t>‹#›</a:t>
             </a:fld>
@@ -921,7 +921,7 @@
     </p:spTree>
     <p:extLst>
       <p:ext uri="{BB962C8B-B14F-4D97-AF65-F5344CB8AC3E}">
-        <p14:creationId xmlns:p14="http://schemas.microsoft.com/office/powerpoint/2010/main" val="3827320053"/>
+        <p14:creationId xmlns:p14="http://schemas.microsoft.com/office/powerpoint/2010/main" val="2084085484"/>
       </p:ext>
     </p:extLst>
   </p:cSld>
@@ -953,7 +953,7 @@
           <p:cNvPr id="2" name="标题 1">
             <a:extLst>
               <a:ext uri="{FF2B5EF4-FFF2-40B4-BE49-F238E27FC236}">
-                <a16:creationId xmlns:a16="http://schemas.microsoft.com/office/drawing/2014/main" id="{E1C0A04E-6B44-CA8C-E238-84B34970476C}"/>
+                <a16:creationId xmlns:a16="http://schemas.microsoft.com/office/drawing/2014/main" id="{A76B179E-AE88-C841-DBCA-4823E7F80343}"/>
               </a:ext>
             </a:extLst>
           </p:cNvPr>
@@ -990,7 +990,7 @@
           <p:cNvPr id="3" name="文本占位符 2">
             <a:extLst>
               <a:ext uri="{FF2B5EF4-FFF2-40B4-BE49-F238E27FC236}">
-                <a16:creationId xmlns:a16="http://schemas.microsoft.com/office/drawing/2014/main" id="{219067CC-B815-4B86-8746-2F6E33E2D366}"/>
+                <a16:creationId xmlns:a16="http://schemas.microsoft.com/office/drawing/2014/main" id="{E0869D63-35FC-8269-163E-1C36817019D4}"/>
               </a:ext>
             </a:extLst>
           </p:cNvPr>
@@ -1115,7 +1115,7 @@
           <p:cNvPr id="4" name="日期占位符 3">
             <a:extLst>
               <a:ext uri="{FF2B5EF4-FFF2-40B4-BE49-F238E27FC236}">
-                <a16:creationId xmlns:a16="http://schemas.microsoft.com/office/drawing/2014/main" id="{321C8784-9944-6442-8FBB-D14E51799A57}"/>
+                <a16:creationId xmlns:a16="http://schemas.microsoft.com/office/drawing/2014/main" id="{590B4B68-CF39-E008-B27F-3EF48BA50093}"/>
               </a:ext>
             </a:extLst>
           </p:cNvPr>
@@ -1131,7 +1131,7 @@
           <a:bodyPr/>
           <a:lstStyle/>
           <a:p>
-            <a:fld id="{3ADA9874-1028-4803-BAE5-C6E42B30F3E5}" type="datetimeFigureOut">
+            <a:fld id="{19ED345A-03FF-420A-8996-3282A40D29CD}" type="datetimeFigureOut">
               <a:rPr lang="zh-CN" altLang="en-US" smtClean="0"/>
               <a:t>2024/3/10</a:t>
             </a:fld>
@@ -1144,7 +1144,7 @@
           <p:cNvPr id="5" name="页脚占位符 4">
             <a:extLst>
               <a:ext uri="{FF2B5EF4-FFF2-40B4-BE49-F238E27FC236}">
-                <a16:creationId xmlns:a16="http://schemas.microsoft.com/office/drawing/2014/main" id="{845B1A11-8826-4A4E-2564-544077737AE6}"/>
+                <a16:creationId xmlns:a16="http://schemas.microsoft.com/office/drawing/2014/main" id="{41473E78-0592-AE8A-681D-0563D0C25D6C}"/>
               </a:ext>
             </a:extLst>
           </p:cNvPr>
@@ -1169,7 +1169,7 @@
           <p:cNvPr id="6" name="灯片编号占位符 5">
             <a:extLst>
               <a:ext uri="{FF2B5EF4-FFF2-40B4-BE49-F238E27FC236}">
-                <a16:creationId xmlns:a16="http://schemas.microsoft.com/office/drawing/2014/main" id="{7AEA0CF3-BE4E-57C9-28BD-3191846B5AED}"/>
+                <a16:creationId xmlns:a16="http://schemas.microsoft.com/office/drawing/2014/main" id="{7FE485DD-8D96-8CF6-4A80-5CD0DD41D274}"/>
               </a:ext>
             </a:extLst>
           </p:cNvPr>
@@ -1185,7 +1185,7 @@
           <a:bodyPr/>
           <a:lstStyle/>
           <a:p>
-            <a:fld id="{1DA426DB-B5CA-4C32-B7D9-E3B2D36C74C4}" type="slidenum">
+            <a:fld id="{2B5C444B-4985-433E-88F0-24EA6669CCF9}" type="slidenum">
               <a:rPr lang="zh-CN" altLang="en-US" smtClean="0"/>
               <a:t>‹#›</a:t>
             </a:fld>
@@ -1196,7 +1196,7 @@
     </p:spTree>
     <p:extLst>
       <p:ext uri="{BB962C8B-B14F-4D97-AF65-F5344CB8AC3E}">
-        <p14:creationId xmlns:p14="http://schemas.microsoft.com/office/powerpoint/2010/main" val="430294306"/>
+        <p14:creationId xmlns:p14="http://schemas.microsoft.com/office/powerpoint/2010/main" val="2328871671"/>
       </p:ext>
     </p:extLst>
   </p:cSld>
@@ -1228,7 +1228,7 @@
           <p:cNvPr id="2" name="标题 1">
             <a:extLst>
               <a:ext uri="{FF2B5EF4-FFF2-40B4-BE49-F238E27FC236}">
-                <a16:creationId xmlns:a16="http://schemas.microsoft.com/office/drawing/2014/main" id="{1A9087CB-A65B-9917-5E00-28DFB4C8E840}"/>
+                <a16:creationId xmlns:a16="http://schemas.microsoft.com/office/drawing/2014/main" id="{EC87371A-F213-BFC0-3739-35ADEB69E23C}"/>
               </a:ext>
             </a:extLst>
           </p:cNvPr>
@@ -1256,7 +1256,7 @@
           <p:cNvPr id="3" name="内容占位符 2">
             <a:extLst>
               <a:ext uri="{FF2B5EF4-FFF2-40B4-BE49-F238E27FC236}">
-                <a16:creationId xmlns:a16="http://schemas.microsoft.com/office/drawing/2014/main" id="{D6F1F123-091A-53BF-11F4-5D2FFC1DAE9F}"/>
+                <a16:creationId xmlns:a16="http://schemas.microsoft.com/office/drawing/2014/main" id="{2453393A-7582-BB36-DFA9-3CA40B7D6D26}"/>
               </a:ext>
             </a:extLst>
           </p:cNvPr>
@@ -1318,7 +1318,7 @@
           <p:cNvPr id="4" name="内容占位符 3">
             <a:extLst>
               <a:ext uri="{FF2B5EF4-FFF2-40B4-BE49-F238E27FC236}">
-                <a16:creationId xmlns:a16="http://schemas.microsoft.com/office/drawing/2014/main" id="{005120E8-739B-B13E-5D74-25A9FA030528}"/>
+                <a16:creationId xmlns:a16="http://schemas.microsoft.com/office/drawing/2014/main" id="{C6C895F1-74E0-184C-1C2C-A4B4CC27F104}"/>
               </a:ext>
             </a:extLst>
           </p:cNvPr>
@@ -1380,7 +1380,7 @@
           <p:cNvPr id="5" name="日期占位符 4">
             <a:extLst>
               <a:ext uri="{FF2B5EF4-FFF2-40B4-BE49-F238E27FC236}">
-                <a16:creationId xmlns:a16="http://schemas.microsoft.com/office/drawing/2014/main" id="{43C2A5B0-9EC7-D7E8-2F47-FEB775EAE984}"/>
+                <a16:creationId xmlns:a16="http://schemas.microsoft.com/office/drawing/2014/main" id="{AAFD6920-0028-91AA-F3C9-88A3AD930BCE}"/>
               </a:ext>
             </a:extLst>
           </p:cNvPr>
@@ -1396,7 +1396,7 @@
           <a:bodyPr/>
           <a:lstStyle/>
           <a:p>
-            <a:fld id="{3ADA9874-1028-4803-BAE5-C6E42B30F3E5}" type="datetimeFigureOut">
+            <a:fld id="{19ED345A-03FF-420A-8996-3282A40D29CD}" type="datetimeFigureOut">
               <a:rPr lang="zh-CN" altLang="en-US" smtClean="0"/>
               <a:t>2024/3/10</a:t>
             </a:fld>
@@ -1409,7 +1409,7 @@
           <p:cNvPr id="6" name="页脚占位符 5">
             <a:extLst>
               <a:ext uri="{FF2B5EF4-FFF2-40B4-BE49-F238E27FC236}">
-                <a16:creationId xmlns:a16="http://schemas.microsoft.com/office/drawing/2014/main" id="{1A84F0AA-A873-ECD5-C6AD-B6A57CCF57A7}"/>
+                <a16:creationId xmlns:a16="http://schemas.microsoft.com/office/drawing/2014/main" id="{CB72F114-527A-DF48-BB25-3BF30C47DE69}"/>
               </a:ext>
             </a:extLst>
           </p:cNvPr>
@@ -1434,7 +1434,7 @@
           <p:cNvPr id="7" name="灯片编号占位符 6">
             <a:extLst>
               <a:ext uri="{FF2B5EF4-FFF2-40B4-BE49-F238E27FC236}">
-                <a16:creationId xmlns:a16="http://schemas.microsoft.com/office/drawing/2014/main" id="{CA2CC4E8-35C2-3894-22CA-669991CB10E8}"/>
+                <a16:creationId xmlns:a16="http://schemas.microsoft.com/office/drawing/2014/main" id="{11E8A71C-1FBE-87D4-F938-3B663702F472}"/>
               </a:ext>
             </a:extLst>
           </p:cNvPr>
@@ -1450,7 +1450,7 @@
           <a:bodyPr/>
           <a:lstStyle/>
           <a:p>
-            <a:fld id="{1DA426DB-B5CA-4C32-B7D9-E3B2D36C74C4}" type="slidenum">
+            <a:fld id="{2B5C444B-4985-433E-88F0-24EA6669CCF9}" type="slidenum">
               <a:rPr lang="zh-CN" altLang="en-US" smtClean="0"/>
               <a:t>‹#›</a:t>
             </a:fld>
@@ -1461,7 +1461,7 @@
     </p:spTree>
     <p:extLst>
       <p:ext uri="{BB962C8B-B14F-4D97-AF65-F5344CB8AC3E}">
-        <p14:creationId xmlns:p14="http://schemas.microsoft.com/office/powerpoint/2010/main" val="2165902817"/>
+        <p14:creationId xmlns:p14="http://schemas.microsoft.com/office/powerpoint/2010/main" val="771287219"/>
       </p:ext>
     </p:extLst>
   </p:cSld>
@@ -1493,7 +1493,7 @@
           <p:cNvPr id="2" name="标题 1">
             <a:extLst>
               <a:ext uri="{FF2B5EF4-FFF2-40B4-BE49-F238E27FC236}">
-                <a16:creationId xmlns:a16="http://schemas.microsoft.com/office/drawing/2014/main" id="{72183860-668E-BE6D-C819-814043EC9A66}"/>
+                <a16:creationId xmlns:a16="http://schemas.microsoft.com/office/drawing/2014/main" id="{CC44735A-8F98-B3D1-8C61-AD823DCFF0B4}"/>
               </a:ext>
             </a:extLst>
           </p:cNvPr>
@@ -1526,7 +1526,7 @@
           <p:cNvPr id="3" name="文本占位符 2">
             <a:extLst>
               <a:ext uri="{FF2B5EF4-FFF2-40B4-BE49-F238E27FC236}">
-                <a16:creationId xmlns:a16="http://schemas.microsoft.com/office/drawing/2014/main" id="{26DFFBFB-65E8-F793-C990-5436E91D9641}"/>
+                <a16:creationId xmlns:a16="http://schemas.microsoft.com/office/drawing/2014/main" id="{BE3ED009-E185-C030-13BC-AD3B585FA56B}"/>
               </a:ext>
             </a:extLst>
           </p:cNvPr>
@@ -1597,7 +1597,7 @@
           <p:cNvPr id="4" name="内容占位符 3">
             <a:extLst>
               <a:ext uri="{FF2B5EF4-FFF2-40B4-BE49-F238E27FC236}">
-                <a16:creationId xmlns:a16="http://schemas.microsoft.com/office/drawing/2014/main" id="{E9385758-3335-F049-6FBC-958DEBF31F49}"/>
+                <a16:creationId xmlns:a16="http://schemas.microsoft.com/office/drawing/2014/main" id="{E3CA5AEE-B573-D4F7-8A0B-842F62FB517C}"/>
               </a:ext>
             </a:extLst>
           </p:cNvPr>
@@ -1659,7 +1659,7 @@
           <p:cNvPr id="5" name="文本占位符 4">
             <a:extLst>
               <a:ext uri="{FF2B5EF4-FFF2-40B4-BE49-F238E27FC236}">
-                <a16:creationId xmlns:a16="http://schemas.microsoft.com/office/drawing/2014/main" id="{1A60B854-D861-9923-9FBA-C07212AEA54F}"/>
+                <a16:creationId xmlns:a16="http://schemas.microsoft.com/office/drawing/2014/main" id="{039E90B3-17B0-94AD-0C39-87E53DF7AFE8}"/>
               </a:ext>
             </a:extLst>
           </p:cNvPr>
@@ -1730,7 +1730,7 @@
           <p:cNvPr id="6" name="内容占位符 5">
             <a:extLst>
               <a:ext uri="{FF2B5EF4-FFF2-40B4-BE49-F238E27FC236}">
-                <a16:creationId xmlns:a16="http://schemas.microsoft.com/office/drawing/2014/main" id="{6B1E3432-66E0-F366-0DD6-2EDD27A4F766}"/>
+                <a16:creationId xmlns:a16="http://schemas.microsoft.com/office/drawing/2014/main" id="{FFB11D1A-D821-504D-82AE-1514A4A72FEE}"/>
               </a:ext>
             </a:extLst>
           </p:cNvPr>
@@ -1792,7 +1792,7 @@
           <p:cNvPr id="7" name="日期占位符 6">
             <a:extLst>
               <a:ext uri="{FF2B5EF4-FFF2-40B4-BE49-F238E27FC236}">
-                <a16:creationId xmlns:a16="http://schemas.microsoft.com/office/drawing/2014/main" id="{ABA8CCEA-B3A2-5C90-86B5-B32AC2DF6733}"/>
+                <a16:creationId xmlns:a16="http://schemas.microsoft.com/office/drawing/2014/main" id="{D2ECC3FA-FBB2-F60F-24E4-F7404411D94D}"/>
               </a:ext>
             </a:extLst>
           </p:cNvPr>
@@ -1808,7 +1808,7 @@
           <a:bodyPr/>
           <a:lstStyle/>
           <a:p>
-            <a:fld id="{3ADA9874-1028-4803-BAE5-C6E42B30F3E5}" type="datetimeFigureOut">
+            <a:fld id="{19ED345A-03FF-420A-8996-3282A40D29CD}" type="datetimeFigureOut">
               <a:rPr lang="zh-CN" altLang="en-US" smtClean="0"/>
               <a:t>2024/3/10</a:t>
             </a:fld>
@@ -1821,7 +1821,7 @@
           <p:cNvPr id="8" name="页脚占位符 7">
             <a:extLst>
               <a:ext uri="{FF2B5EF4-FFF2-40B4-BE49-F238E27FC236}">
-                <a16:creationId xmlns:a16="http://schemas.microsoft.com/office/drawing/2014/main" id="{67303E6E-4D36-0F7E-0979-CE3C87B8289E}"/>
+                <a16:creationId xmlns:a16="http://schemas.microsoft.com/office/drawing/2014/main" id="{3041C4FB-B8A5-3DF2-2A60-DDF5750C9F42}"/>
               </a:ext>
             </a:extLst>
           </p:cNvPr>
@@ -1846,7 +1846,7 @@
           <p:cNvPr id="9" name="灯片编号占位符 8">
             <a:extLst>
               <a:ext uri="{FF2B5EF4-FFF2-40B4-BE49-F238E27FC236}">
-                <a16:creationId xmlns:a16="http://schemas.microsoft.com/office/drawing/2014/main" id="{D64D62D0-2F5A-045B-B8CD-F8F46722B091}"/>
+                <a16:creationId xmlns:a16="http://schemas.microsoft.com/office/drawing/2014/main" id="{42E3256B-5A74-F7D2-1EFF-A65309B626E5}"/>
               </a:ext>
             </a:extLst>
           </p:cNvPr>
@@ -1862,7 +1862,7 @@
           <a:bodyPr/>
           <a:lstStyle/>
           <a:p>
-            <a:fld id="{1DA426DB-B5CA-4C32-B7D9-E3B2D36C74C4}" type="slidenum">
+            <a:fld id="{2B5C444B-4985-433E-88F0-24EA6669CCF9}" type="slidenum">
               <a:rPr lang="zh-CN" altLang="en-US" smtClean="0"/>
               <a:t>‹#›</a:t>
             </a:fld>
@@ -1873,7 +1873,7 @@
     </p:spTree>
     <p:extLst>
       <p:ext uri="{BB962C8B-B14F-4D97-AF65-F5344CB8AC3E}">
-        <p14:creationId xmlns:p14="http://schemas.microsoft.com/office/powerpoint/2010/main" val="1514647772"/>
+        <p14:creationId xmlns:p14="http://schemas.microsoft.com/office/powerpoint/2010/main" val="4176847378"/>
       </p:ext>
     </p:extLst>
   </p:cSld>
@@ -1905,7 +1905,7 @@
           <p:cNvPr id="2" name="标题 1">
             <a:extLst>
               <a:ext uri="{FF2B5EF4-FFF2-40B4-BE49-F238E27FC236}">
-                <a16:creationId xmlns:a16="http://schemas.microsoft.com/office/drawing/2014/main" id="{2F2DD51C-33B3-F8CA-4CBA-C1611FB3670F}"/>
+                <a16:creationId xmlns:a16="http://schemas.microsoft.com/office/drawing/2014/main" id="{99C2E051-B64C-A2CE-D6AD-27D1B7B08A5A}"/>
               </a:ext>
             </a:extLst>
           </p:cNvPr>
@@ -1933,7 +1933,7 @@
           <p:cNvPr id="3" name="日期占位符 2">
             <a:extLst>
               <a:ext uri="{FF2B5EF4-FFF2-40B4-BE49-F238E27FC236}">
-                <a16:creationId xmlns:a16="http://schemas.microsoft.com/office/drawing/2014/main" id="{5D4898DA-DB14-4A1C-15C4-AC3956D2DD7E}"/>
+                <a16:creationId xmlns:a16="http://schemas.microsoft.com/office/drawing/2014/main" id="{8F44CD4B-51B4-E3A6-7ECF-31A5BDECB70E}"/>
               </a:ext>
             </a:extLst>
           </p:cNvPr>
@@ -1949,7 +1949,7 @@
           <a:bodyPr/>
           <a:lstStyle/>
           <a:p>
-            <a:fld id="{3ADA9874-1028-4803-BAE5-C6E42B30F3E5}" type="datetimeFigureOut">
+            <a:fld id="{19ED345A-03FF-420A-8996-3282A40D29CD}" type="datetimeFigureOut">
               <a:rPr lang="zh-CN" altLang="en-US" smtClean="0"/>
               <a:t>2024/3/10</a:t>
             </a:fld>
@@ -1962,7 +1962,7 @@
           <p:cNvPr id="4" name="页脚占位符 3">
             <a:extLst>
               <a:ext uri="{FF2B5EF4-FFF2-40B4-BE49-F238E27FC236}">
-                <a16:creationId xmlns:a16="http://schemas.microsoft.com/office/drawing/2014/main" id="{4F41AF38-76EF-632D-1760-1838DACB06B6}"/>
+                <a16:creationId xmlns:a16="http://schemas.microsoft.com/office/drawing/2014/main" id="{C883D711-0F6E-BAA6-7E81-06FCAE18C8CC}"/>
               </a:ext>
             </a:extLst>
           </p:cNvPr>
@@ -1987,7 +1987,7 @@
           <p:cNvPr id="5" name="灯片编号占位符 4">
             <a:extLst>
               <a:ext uri="{FF2B5EF4-FFF2-40B4-BE49-F238E27FC236}">
-                <a16:creationId xmlns:a16="http://schemas.microsoft.com/office/drawing/2014/main" id="{C1A2E381-6DEB-2C8E-4EE8-C189E272F4DE}"/>
+                <a16:creationId xmlns:a16="http://schemas.microsoft.com/office/drawing/2014/main" id="{A42B2567-132C-D1DF-7A5A-5C226F41049C}"/>
               </a:ext>
             </a:extLst>
           </p:cNvPr>
@@ -2003,7 +2003,7 @@
           <a:bodyPr/>
           <a:lstStyle/>
           <a:p>
-            <a:fld id="{1DA426DB-B5CA-4C32-B7D9-E3B2D36C74C4}" type="slidenum">
+            <a:fld id="{2B5C444B-4985-433E-88F0-24EA6669CCF9}" type="slidenum">
               <a:rPr lang="zh-CN" altLang="en-US" smtClean="0"/>
               <a:t>‹#›</a:t>
             </a:fld>
@@ -2014,7 +2014,7 @@
     </p:spTree>
     <p:extLst>
       <p:ext uri="{BB962C8B-B14F-4D97-AF65-F5344CB8AC3E}">
-        <p14:creationId xmlns:p14="http://schemas.microsoft.com/office/powerpoint/2010/main" val="3797902702"/>
+        <p14:creationId xmlns:p14="http://schemas.microsoft.com/office/powerpoint/2010/main" val="2487745249"/>
       </p:ext>
     </p:extLst>
   </p:cSld>
@@ -2046,7 +2046,7 @@
           <p:cNvPr id="2" name="日期占位符 1">
             <a:extLst>
               <a:ext uri="{FF2B5EF4-FFF2-40B4-BE49-F238E27FC236}">
-                <a16:creationId xmlns:a16="http://schemas.microsoft.com/office/drawing/2014/main" id="{9CC5C89E-F87A-BDB2-FB05-6D94A0072113}"/>
+                <a16:creationId xmlns:a16="http://schemas.microsoft.com/office/drawing/2014/main" id="{8DAF575C-1F97-91E9-74CE-6B153E91BECE}"/>
               </a:ext>
             </a:extLst>
           </p:cNvPr>
@@ -2062,7 +2062,7 @@
           <a:bodyPr/>
           <a:lstStyle/>
           <a:p>
-            <a:fld id="{3ADA9874-1028-4803-BAE5-C6E42B30F3E5}" type="datetimeFigureOut">
+            <a:fld id="{19ED345A-03FF-420A-8996-3282A40D29CD}" type="datetimeFigureOut">
               <a:rPr lang="zh-CN" altLang="en-US" smtClean="0"/>
               <a:t>2024/3/10</a:t>
             </a:fld>
@@ -2075,7 +2075,7 @@
           <p:cNvPr id="3" name="页脚占位符 2">
             <a:extLst>
               <a:ext uri="{FF2B5EF4-FFF2-40B4-BE49-F238E27FC236}">
-                <a16:creationId xmlns:a16="http://schemas.microsoft.com/office/drawing/2014/main" id="{F2A30AED-8CF0-00DC-6C56-8AE686B2949F}"/>
+                <a16:creationId xmlns:a16="http://schemas.microsoft.com/office/drawing/2014/main" id="{AAAFA1F4-BACE-E824-C994-274A5DEE60E1}"/>
               </a:ext>
             </a:extLst>
           </p:cNvPr>
@@ -2100,7 +2100,7 @@
           <p:cNvPr id="4" name="灯片编号占位符 3">
             <a:extLst>
               <a:ext uri="{FF2B5EF4-FFF2-40B4-BE49-F238E27FC236}">
-                <a16:creationId xmlns:a16="http://schemas.microsoft.com/office/drawing/2014/main" id="{C417BA18-00A8-D950-CD49-E7FBF20BE56C}"/>
+                <a16:creationId xmlns:a16="http://schemas.microsoft.com/office/drawing/2014/main" id="{FC9206E8-E680-778C-6CAE-C4AC03C1A17B}"/>
               </a:ext>
             </a:extLst>
           </p:cNvPr>
@@ -2116,7 +2116,7 @@
           <a:bodyPr/>
           <a:lstStyle/>
           <a:p>
-            <a:fld id="{1DA426DB-B5CA-4C32-B7D9-E3B2D36C74C4}" type="slidenum">
+            <a:fld id="{2B5C444B-4985-433E-88F0-24EA6669CCF9}" type="slidenum">
               <a:rPr lang="zh-CN" altLang="en-US" smtClean="0"/>
               <a:t>‹#›</a:t>
             </a:fld>
@@ -2127,7 +2127,7 @@
     </p:spTree>
     <p:extLst>
       <p:ext uri="{BB962C8B-B14F-4D97-AF65-F5344CB8AC3E}">
-        <p14:creationId xmlns:p14="http://schemas.microsoft.com/office/powerpoint/2010/main" val="3593542919"/>
+        <p14:creationId xmlns:p14="http://schemas.microsoft.com/office/powerpoint/2010/main" val="3935626510"/>
       </p:ext>
     </p:extLst>
   </p:cSld>
@@ -2159,7 +2159,7 @@
           <p:cNvPr id="2" name="标题 1">
             <a:extLst>
               <a:ext uri="{FF2B5EF4-FFF2-40B4-BE49-F238E27FC236}">
-                <a16:creationId xmlns:a16="http://schemas.microsoft.com/office/drawing/2014/main" id="{FFD2AEBA-8FD6-C54B-E7E1-027462690887}"/>
+                <a16:creationId xmlns:a16="http://schemas.microsoft.com/office/drawing/2014/main" id="{6D475342-3469-0A6E-AE63-23BA20716942}"/>
               </a:ext>
             </a:extLst>
           </p:cNvPr>
@@ -2196,7 +2196,7 @@
           <p:cNvPr id="3" name="内容占位符 2">
             <a:extLst>
               <a:ext uri="{FF2B5EF4-FFF2-40B4-BE49-F238E27FC236}">
-                <a16:creationId xmlns:a16="http://schemas.microsoft.com/office/drawing/2014/main" id="{92792DC0-2ED4-3164-243A-938E623FBD3C}"/>
+                <a16:creationId xmlns:a16="http://schemas.microsoft.com/office/drawing/2014/main" id="{849BCF5A-52DC-04F0-C674-60A0CCC18EEB}"/>
               </a:ext>
             </a:extLst>
           </p:cNvPr>
@@ -2286,7 +2286,7 @@
           <p:cNvPr id="4" name="文本占位符 3">
             <a:extLst>
               <a:ext uri="{FF2B5EF4-FFF2-40B4-BE49-F238E27FC236}">
-                <a16:creationId xmlns:a16="http://schemas.microsoft.com/office/drawing/2014/main" id="{48F6A80E-24F7-2519-725A-E0B9F8C6D7E1}"/>
+                <a16:creationId xmlns:a16="http://schemas.microsoft.com/office/drawing/2014/main" id="{42EA401D-3BA9-301A-F84C-435132EF5728}"/>
               </a:ext>
             </a:extLst>
           </p:cNvPr>
@@ -2357,7 +2357,7 @@
           <p:cNvPr id="5" name="日期占位符 4">
             <a:extLst>
               <a:ext uri="{FF2B5EF4-FFF2-40B4-BE49-F238E27FC236}">
-                <a16:creationId xmlns:a16="http://schemas.microsoft.com/office/drawing/2014/main" id="{B7610147-4481-56DE-BA39-BCCFB789EA4F}"/>
+                <a16:creationId xmlns:a16="http://schemas.microsoft.com/office/drawing/2014/main" id="{297F3EEE-6AEC-1055-82EF-92AD280952D5}"/>
               </a:ext>
             </a:extLst>
           </p:cNvPr>
@@ -2373,7 +2373,7 @@
           <a:bodyPr/>
           <a:lstStyle/>
           <a:p>
-            <a:fld id="{3ADA9874-1028-4803-BAE5-C6E42B30F3E5}" type="datetimeFigureOut">
+            <a:fld id="{19ED345A-03FF-420A-8996-3282A40D29CD}" type="datetimeFigureOut">
               <a:rPr lang="zh-CN" altLang="en-US" smtClean="0"/>
               <a:t>2024/3/10</a:t>
             </a:fld>
@@ -2386,7 +2386,7 @@
           <p:cNvPr id="6" name="页脚占位符 5">
             <a:extLst>
               <a:ext uri="{FF2B5EF4-FFF2-40B4-BE49-F238E27FC236}">
-                <a16:creationId xmlns:a16="http://schemas.microsoft.com/office/drawing/2014/main" id="{B1EA1DE6-C70E-D788-E4E4-5688B6C76AD2}"/>
+                <a16:creationId xmlns:a16="http://schemas.microsoft.com/office/drawing/2014/main" id="{0FCBA6B2-2824-A5AA-1A60-9AACF187BF7E}"/>
               </a:ext>
             </a:extLst>
           </p:cNvPr>
@@ -2411,7 +2411,7 @@
           <p:cNvPr id="7" name="灯片编号占位符 6">
             <a:extLst>
               <a:ext uri="{FF2B5EF4-FFF2-40B4-BE49-F238E27FC236}">
-                <a16:creationId xmlns:a16="http://schemas.microsoft.com/office/drawing/2014/main" id="{63EED693-AB9C-966C-4459-689B312323B0}"/>
+                <a16:creationId xmlns:a16="http://schemas.microsoft.com/office/drawing/2014/main" id="{4611DCA6-3952-8A74-6B6E-A41F39D491E7}"/>
               </a:ext>
             </a:extLst>
           </p:cNvPr>
@@ -2427,7 +2427,7 @@
           <a:bodyPr/>
           <a:lstStyle/>
           <a:p>
-            <a:fld id="{1DA426DB-B5CA-4C32-B7D9-E3B2D36C74C4}" type="slidenum">
+            <a:fld id="{2B5C444B-4985-433E-88F0-24EA6669CCF9}" type="slidenum">
               <a:rPr lang="zh-CN" altLang="en-US" smtClean="0"/>
               <a:t>‹#›</a:t>
             </a:fld>
@@ -2438,7 +2438,7 @@
     </p:spTree>
     <p:extLst>
       <p:ext uri="{BB962C8B-B14F-4D97-AF65-F5344CB8AC3E}">
-        <p14:creationId xmlns:p14="http://schemas.microsoft.com/office/powerpoint/2010/main" val="2182044882"/>
+        <p14:creationId xmlns:p14="http://schemas.microsoft.com/office/powerpoint/2010/main" val="3718298643"/>
       </p:ext>
     </p:extLst>
   </p:cSld>
@@ -2470,7 +2470,7 @@
           <p:cNvPr id="2" name="标题 1">
             <a:extLst>
               <a:ext uri="{FF2B5EF4-FFF2-40B4-BE49-F238E27FC236}">
-                <a16:creationId xmlns:a16="http://schemas.microsoft.com/office/drawing/2014/main" id="{9D69FEE7-EAC3-1290-94CF-0A592DE70687}"/>
+                <a16:creationId xmlns:a16="http://schemas.microsoft.com/office/drawing/2014/main" id="{F7434EAA-2BCD-5AB5-66A1-3925DCA58A89}"/>
               </a:ext>
             </a:extLst>
           </p:cNvPr>
@@ -2507,7 +2507,7 @@
           <p:cNvPr id="3" name="图片占位符 2">
             <a:extLst>
               <a:ext uri="{FF2B5EF4-FFF2-40B4-BE49-F238E27FC236}">
-                <a16:creationId xmlns:a16="http://schemas.microsoft.com/office/drawing/2014/main" id="{E85D45E8-BF80-264F-E4A1-2561B834A593}"/>
+                <a16:creationId xmlns:a16="http://schemas.microsoft.com/office/drawing/2014/main" id="{350F76A3-0E5A-8E38-0F55-C068880A0FE2}"/>
               </a:ext>
             </a:extLst>
           </p:cNvPr>
@@ -2574,7 +2574,7 @@
           <p:cNvPr id="4" name="文本占位符 3">
             <a:extLst>
               <a:ext uri="{FF2B5EF4-FFF2-40B4-BE49-F238E27FC236}">
-                <a16:creationId xmlns:a16="http://schemas.microsoft.com/office/drawing/2014/main" id="{EE6BAD63-F376-419E-D383-7FE72295690F}"/>
+                <a16:creationId xmlns:a16="http://schemas.microsoft.com/office/drawing/2014/main" id="{40E124FA-EC30-6F2E-48D2-D4FA45D65CBC}"/>
               </a:ext>
             </a:extLst>
           </p:cNvPr>
@@ -2645,7 +2645,7 @@
           <p:cNvPr id="5" name="日期占位符 4">
             <a:extLst>
               <a:ext uri="{FF2B5EF4-FFF2-40B4-BE49-F238E27FC236}">
-                <a16:creationId xmlns:a16="http://schemas.microsoft.com/office/drawing/2014/main" id="{E395D5C0-98FD-2BE7-4C3C-7A25448AD56B}"/>
+                <a16:creationId xmlns:a16="http://schemas.microsoft.com/office/drawing/2014/main" id="{8210780B-6C08-47E2-FE12-2FBE9C1BE67A}"/>
               </a:ext>
             </a:extLst>
           </p:cNvPr>
@@ -2661,7 +2661,7 @@
           <a:bodyPr/>
           <a:lstStyle/>
           <a:p>
-            <a:fld id="{3ADA9874-1028-4803-BAE5-C6E42B30F3E5}" type="datetimeFigureOut">
+            <a:fld id="{19ED345A-03FF-420A-8996-3282A40D29CD}" type="datetimeFigureOut">
               <a:rPr lang="zh-CN" altLang="en-US" smtClean="0"/>
               <a:t>2024/3/10</a:t>
             </a:fld>
@@ -2674,7 +2674,7 @@
           <p:cNvPr id="6" name="页脚占位符 5">
             <a:extLst>
               <a:ext uri="{FF2B5EF4-FFF2-40B4-BE49-F238E27FC236}">
-                <a16:creationId xmlns:a16="http://schemas.microsoft.com/office/drawing/2014/main" id="{DDAAD84A-2A78-A587-3EAF-D38BF377A107}"/>
+                <a16:creationId xmlns:a16="http://schemas.microsoft.com/office/drawing/2014/main" id="{E5D1F50C-1D14-C707-781D-513B187DCBB3}"/>
               </a:ext>
             </a:extLst>
           </p:cNvPr>
@@ -2699,7 +2699,7 @@
           <p:cNvPr id="7" name="灯片编号占位符 6">
             <a:extLst>
               <a:ext uri="{FF2B5EF4-FFF2-40B4-BE49-F238E27FC236}">
-                <a16:creationId xmlns:a16="http://schemas.microsoft.com/office/drawing/2014/main" id="{5ECE8AD1-0B30-0E46-AB16-A0EB8AE38E4D}"/>
+                <a16:creationId xmlns:a16="http://schemas.microsoft.com/office/drawing/2014/main" id="{85F627B9-EC6D-0846-B5FB-7AB4527EB25D}"/>
               </a:ext>
             </a:extLst>
           </p:cNvPr>
@@ -2715,7 +2715,7 @@
           <a:bodyPr/>
           <a:lstStyle/>
           <a:p>
-            <a:fld id="{1DA426DB-B5CA-4C32-B7D9-E3B2D36C74C4}" type="slidenum">
+            <a:fld id="{2B5C444B-4985-433E-88F0-24EA6669CCF9}" type="slidenum">
               <a:rPr lang="zh-CN" altLang="en-US" smtClean="0"/>
               <a:t>‹#›</a:t>
             </a:fld>
@@ -2726,7 +2726,7 @@
     </p:spTree>
     <p:extLst>
       <p:ext uri="{BB962C8B-B14F-4D97-AF65-F5344CB8AC3E}">
-        <p14:creationId xmlns:p14="http://schemas.microsoft.com/office/powerpoint/2010/main" val="791879660"/>
+        <p14:creationId xmlns:p14="http://schemas.microsoft.com/office/powerpoint/2010/main" val="3890352399"/>
       </p:ext>
     </p:extLst>
   </p:cSld>
@@ -2763,7 +2763,7 @@
           <p:cNvPr id="2" name="标题占位符 1">
             <a:extLst>
               <a:ext uri="{FF2B5EF4-FFF2-40B4-BE49-F238E27FC236}">
-                <a16:creationId xmlns:a16="http://schemas.microsoft.com/office/drawing/2014/main" id="{5541E8F7-5180-D60F-3A32-1EAED2BB21AD}"/>
+                <a16:creationId xmlns:a16="http://schemas.microsoft.com/office/drawing/2014/main" id="{7E868CFB-124C-778C-DB2E-53EF2D72CEDA}"/>
               </a:ext>
             </a:extLst>
           </p:cNvPr>
@@ -2801,7 +2801,7 @@
           <p:cNvPr id="3" name="文本占位符 2">
             <a:extLst>
               <a:ext uri="{FF2B5EF4-FFF2-40B4-BE49-F238E27FC236}">
-                <a16:creationId xmlns:a16="http://schemas.microsoft.com/office/drawing/2014/main" id="{C0B026C3-D636-C070-CF78-C6B981F5D006}"/>
+                <a16:creationId xmlns:a16="http://schemas.microsoft.com/office/drawing/2014/main" id="{9E947B42-26EC-F745-904A-E1F8A25E1D0D}"/>
               </a:ext>
             </a:extLst>
           </p:cNvPr>
@@ -2868,7 +2868,7 @@
           <p:cNvPr id="4" name="日期占位符 3">
             <a:extLst>
               <a:ext uri="{FF2B5EF4-FFF2-40B4-BE49-F238E27FC236}">
-                <a16:creationId xmlns:a16="http://schemas.microsoft.com/office/drawing/2014/main" id="{FA1BF746-2AB7-B523-10CB-4D54511313B2}"/>
+                <a16:creationId xmlns:a16="http://schemas.microsoft.com/office/drawing/2014/main" id="{796E7815-E517-F7A9-3345-25708F8D935B}"/>
               </a:ext>
             </a:extLst>
           </p:cNvPr>
@@ -2902,7 +2902,7 @@
             </a:lvl1pPr>
           </a:lstStyle>
           <a:p>
-            <a:fld id="{3ADA9874-1028-4803-BAE5-C6E42B30F3E5}" type="datetimeFigureOut">
+            <a:fld id="{19ED345A-03FF-420A-8996-3282A40D29CD}" type="datetimeFigureOut">
               <a:rPr lang="zh-CN" altLang="en-US" smtClean="0"/>
               <a:t>2024/3/10</a:t>
             </a:fld>
@@ -2915,7 +2915,7 @@
           <p:cNvPr id="5" name="页脚占位符 4">
             <a:extLst>
               <a:ext uri="{FF2B5EF4-FFF2-40B4-BE49-F238E27FC236}">
-                <a16:creationId xmlns:a16="http://schemas.microsoft.com/office/drawing/2014/main" id="{29F76214-3B0C-8F24-2AA5-F5B2FDD55C68}"/>
+                <a16:creationId xmlns:a16="http://schemas.microsoft.com/office/drawing/2014/main" id="{F10D1BC4-DDD2-3C09-7638-94E6EC00367C}"/>
               </a:ext>
             </a:extLst>
           </p:cNvPr>
@@ -2958,7 +2958,7 @@
           <p:cNvPr id="6" name="灯片编号占位符 5">
             <a:extLst>
               <a:ext uri="{FF2B5EF4-FFF2-40B4-BE49-F238E27FC236}">
-                <a16:creationId xmlns:a16="http://schemas.microsoft.com/office/drawing/2014/main" id="{04A083C7-0772-2669-560D-765B3CF97BDD}"/>
+                <a16:creationId xmlns:a16="http://schemas.microsoft.com/office/drawing/2014/main" id="{33943EE2-207D-D09E-177D-F482DCE997BE}"/>
               </a:ext>
             </a:extLst>
           </p:cNvPr>
@@ -2992,7 +2992,7 @@
             </a:lvl1pPr>
           </a:lstStyle>
           <a:p>
-            <a:fld id="{1DA426DB-B5CA-4C32-B7D9-E3B2D36C74C4}" type="slidenum">
+            <a:fld id="{2B5C444B-4985-433E-88F0-24EA6669CCF9}" type="slidenum">
               <a:rPr lang="zh-CN" altLang="en-US" smtClean="0"/>
               <a:t>‹#›</a:t>
             </a:fld>
@@ -3003,7 +3003,7 @@
     </p:spTree>
     <p:extLst>
       <p:ext uri="{BB962C8B-B14F-4D97-AF65-F5344CB8AC3E}">
-        <p14:creationId xmlns:p14="http://schemas.microsoft.com/office/powerpoint/2010/main" val="1504392198"/>
+        <p14:creationId xmlns:p14="http://schemas.microsoft.com/office/powerpoint/2010/main" val="149544999"/>
       </p:ext>
     </p:extLst>
   </p:cSld>
@@ -3323,7 +3323,7 @@
       </p:grpSpPr>
       <p:pic>
         <p:nvPicPr>
-          <p:cNvPr id="863234" name="Picture 2" descr="842"/>
+          <p:cNvPr id="864258" name="Picture 2" descr="843"/>
           <p:cNvPicPr>
             <a:picLocks noChangeAspect="1" noChangeArrowheads="1"/>
           </p:cNvPicPr>
@@ -3377,7 +3377,7 @@
       </p:pic>
       <p:pic>
         <p:nvPicPr>
-          <p:cNvPr id="864259" name="Picture 3" descr="842-2"/>
+          <p:cNvPr id="865283" name="Picture 3" descr="843-2"/>
           <p:cNvPicPr>
             <a:picLocks noChangeAspect="1" noChangeArrowheads="1"/>
           </p:cNvPicPr>
@@ -3398,8 +3398,8 @@
         </p:blipFill>
         <p:spPr bwMode="auto">
           <a:xfrm>
-            <a:off x="1501776" y="0"/>
-            <a:ext cx="9129713" cy="6858000"/>
+            <a:off x="1524000" y="0"/>
+            <a:ext cx="9144000" cy="6858000"/>
           </a:xfrm>
           <a:prstGeom prst="rect">
             <a:avLst/>
@@ -3478,7 +3478,7 @@
                                           </p:stCondLst>
                                         </p:cTn>
                                         <p:tgtEl>
-                                          <p:spTgt spid="864259"/>
+                                          <p:spTgt spid="865283"/>
                                         </p:tgtEl>
                                         <p:attrNameLst>
                                           <p:attrName>style.visibility</p:attrName>
@@ -3492,7 +3492,7 @@
                                       <p:cBhvr>
                                         <p:cTn id="7" dur="500"/>
                                         <p:tgtEl>
-                                          <p:spTgt spid="864259"/>
+                                          <p:spTgt spid="865283"/>
                                         </p:tgtEl>
                                       </p:cBhvr>
                                     </p:animEffect>
